--- a/courses/5525_slides/cfg.pptx
+++ b/courses/5525_slides/cfg.pptx
@@ -5,7 +5,7 @@
     <p:sldMasterId id="2147483648" r:id="rId1"/>
   </p:sldMasterIdLst>
   <p:notesMasterIdLst>
-    <p:notesMasterId r:id="rId47"/>
+    <p:notesMasterId r:id="rId46"/>
   </p:notesMasterIdLst>
   <p:sldIdLst>
     <p:sldId id="267" r:id="rId2"/>
@@ -40,19 +40,18 @@
     <p:sldId id="296" r:id="rId31"/>
     <p:sldId id="297" r:id="rId32"/>
     <p:sldId id="298" r:id="rId33"/>
-    <p:sldId id="299" r:id="rId34"/>
-    <p:sldId id="300" r:id="rId35"/>
-    <p:sldId id="301" r:id="rId36"/>
-    <p:sldId id="302" r:id="rId37"/>
-    <p:sldId id="303" r:id="rId38"/>
-    <p:sldId id="304" r:id="rId39"/>
-    <p:sldId id="305" r:id="rId40"/>
-    <p:sldId id="306" r:id="rId41"/>
-    <p:sldId id="307" r:id="rId42"/>
-    <p:sldId id="308" r:id="rId43"/>
-    <p:sldId id="309" r:id="rId44"/>
-    <p:sldId id="310" r:id="rId45"/>
-    <p:sldId id="311" r:id="rId46"/>
+    <p:sldId id="300" r:id="rId34"/>
+    <p:sldId id="301" r:id="rId35"/>
+    <p:sldId id="302" r:id="rId36"/>
+    <p:sldId id="303" r:id="rId37"/>
+    <p:sldId id="304" r:id="rId38"/>
+    <p:sldId id="305" r:id="rId39"/>
+    <p:sldId id="306" r:id="rId40"/>
+    <p:sldId id="307" r:id="rId41"/>
+    <p:sldId id="308" r:id="rId42"/>
+    <p:sldId id="309" r:id="rId43"/>
+    <p:sldId id="310" r:id="rId44"/>
+    <p:sldId id="311" r:id="rId45"/>
   </p:sldIdLst>
   <p:sldSz cx="12192000" cy="6858000"/>
   <p:notesSz cx="6858000" cy="9144000"/>
@@ -241,7 +240,7 @@
           <a:p>
             <a:fld id="{0AF9F4AA-AFF9-0A47-8AEE-08E5F9B3C3CA}" type="datetimeFigureOut">
               <a:rPr lang="en-US" smtClean="0"/>
-              <a:t>2/23/16</a:t>
+              <a:t>2/26/16</a:t>
             </a:fld>
             <a:endParaRPr lang="en-US"/>
           </a:p>
@@ -640,7 +639,7 @@
           <a:p>
             <a:fld id="{09BBB469-5BE9-5643-BAC2-985FCFCC050B}" type="datetimeFigureOut">
               <a:rPr lang="en-US" smtClean="0"/>
-              <a:t>2/23/16</a:t>
+              <a:t>2/26/16</a:t>
             </a:fld>
             <a:endParaRPr lang="en-US"/>
           </a:p>
@@ -810,7 +809,7 @@
           <a:p>
             <a:fld id="{09BBB469-5BE9-5643-BAC2-985FCFCC050B}" type="datetimeFigureOut">
               <a:rPr lang="en-US" smtClean="0"/>
-              <a:t>2/23/16</a:t>
+              <a:t>2/26/16</a:t>
             </a:fld>
             <a:endParaRPr lang="en-US"/>
           </a:p>
@@ -990,7 +989,7 @@
           <a:p>
             <a:fld id="{09BBB469-5BE9-5643-BAC2-985FCFCC050B}" type="datetimeFigureOut">
               <a:rPr lang="en-US" smtClean="0"/>
-              <a:t>2/23/16</a:t>
+              <a:t>2/26/16</a:t>
             </a:fld>
             <a:endParaRPr lang="en-US"/>
           </a:p>
@@ -1160,7 +1159,7 @@
           <a:p>
             <a:fld id="{09BBB469-5BE9-5643-BAC2-985FCFCC050B}" type="datetimeFigureOut">
               <a:rPr lang="en-US" smtClean="0"/>
-              <a:t>2/23/16</a:t>
+              <a:t>2/26/16</a:t>
             </a:fld>
             <a:endParaRPr lang="en-US"/>
           </a:p>
@@ -1406,7 +1405,7 @@
           <a:p>
             <a:fld id="{09BBB469-5BE9-5643-BAC2-985FCFCC050B}" type="datetimeFigureOut">
               <a:rPr lang="en-US" smtClean="0"/>
-              <a:t>2/23/16</a:t>
+              <a:t>2/26/16</a:t>
             </a:fld>
             <a:endParaRPr lang="en-US"/>
           </a:p>
@@ -1638,7 +1637,7 @@
           <a:p>
             <a:fld id="{09BBB469-5BE9-5643-BAC2-985FCFCC050B}" type="datetimeFigureOut">
               <a:rPr lang="en-US" smtClean="0"/>
-              <a:t>2/23/16</a:t>
+              <a:t>2/26/16</a:t>
             </a:fld>
             <a:endParaRPr lang="en-US"/>
           </a:p>
@@ -2005,7 +2004,7 @@
           <a:p>
             <a:fld id="{09BBB469-5BE9-5643-BAC2-985FCFCC050B}" type="datetimeFigureOut">
               <a:rPr lang="en-US" smtClean="0"/>
-              <a:t>2/23/16</a:t>
+              <a:t>2/26/16</a:t>
             </a:fld>
             <a:endParaRPr lang="en-US"/>
           </a:p>
@@ -2123,7 +2122,7 @@
           <a:p>
             <a:fld id="{09BBB469-5BE9-5643-BAC2-985FCFCC050B}" type="datetimeFigureOut">
               <a:rPr lang="en-US" smtClean="0"/>
-              <a:t>2/23/16</a:t>
+              <a:t>2/26/16</a:t>
             </a:fld>
             <a:endParaRPr lang="en-US"/>
           </a:p>
@@ -2218,7 +2217,7 @@
           <a:p>
             <a:fld id="{09BBB469-5BE9-5643-BAC2-985FCFCC050B}" type="datetimeFigureOut">
               <a:rPr lang="en-US" smtClean="0"/>
-              <a:t>2/23/16</a:t>
+              <a:t>2/26/16</a:t>
             </a:fld>
             <a:endParaRPr lang="en-US"/>
           </a:p>
@@ -2495,7 +2494,7 @@
           <a:p>
             <a:fld id="{09BBB469-5BE9-5643-BAC2-985FCFCC050B}" type="datetimeFigureOut">
               <a:rPr lang="en-US" smtClean="0"/>
-              <a:t>2/23/16</a:t>
+              <a:t>2/26/16</a:t>
             </a:fld>
             <a:endParaRPr lang="en-US"/>
           </a:p>
@@ -2748,7 +2747,7 @@
           <a:p>
             <a:fld id="{09BBB469-5BE9-5643-BAC2-985FCFCC050B}" type="datetimeFigureOut">
               <a:rPr lang="en-US" smtClean="0"/>
-              <a:t>2/23/16</a:t>
+              <a:t>2/26/16</a:t>
             </a:fld>
             <a:endParaRPr lang="en-US"/>
           </a:p>
@@ -2961,7 +2960,7 @@
           <a:p>
             <a:fld id="{09BBB469-5BE9-5643-BAC2-985FCFCC050B}" type="datetimeFigureOut">
               <a:rPr lang="en-US" smtClean="0"/>
-              <a:t>2/23/16</a:t>
+              <a:t>2/26/16</a:t>
             </a:fld>
             <a:endParaRPr lang="en-US"/>
           </a:p>
@@ -5166,7 +5165,7 @@
     </p:spTree>
     <p:extLst>
       <p:ext uri="{BB962C8B-B14F-4D97-AF65-F5344CB8AC3E}">
-        <p14:creationId xmlns:p14="http://schemas.microsoft.com/office/powerpoint/2010/main" val="1667988883"/>
+        <p14:creationId xmlns:p14="http://schemas.microsoft.com/office/powerpoint/2010/main" val="2102835446"/>
       </p:ext>
     </p:extLst>
   </p:cSld>
@@ -5233,7 +5232,7 @@
     </p:spTree>
     <p:extLst>
       <p:ext uri="{BB962C8B-B14F-4D97-AF65-F5344CB8AC3E}">
-        <p14:creationId xmlns:p14="http://schemas.microsoft.com/office/powerpoint/2010/main" val="2102835446"/>
+        <p14:creationId xmlns:p14="http://schemas.microsoft.com/office/powerpoint/2010/main" val="1216962243"/>
       </p:ext>
     </p:extLst>
   </p:cSld>
@@ -5300,7 +5299,7 @@
     </p:spTree>
     <p:extLst>
       <p:ext uri="{BB962C8B-B14F-4D97-AF65-F5344CB8AC3E}">
-        <p14:creationId xmlns:p14="http://schemas.microsoft.com/office/powerpoint/2010/main" val="1216962243"/>
+        <p14:creationId xmlns:p14="http://schemas.microsoft.com/office/powerpoint/2010/main" val="850164073"/>
       </p:ext>
     </p:extLst>
   </p:cSld>
@@ -5367,7 +5366,7 @@
     </p:spTree>
     <p:extLst>
       <p:ext uri="{BB962C8B-B14F-4D97-AF65-F5344CB8AC3E}">
-        <p14:creationId xmlns:p14="http://schemas.microsoft.com/office/powerpoint/2010/main" val="850164073"/>
+        <p14:creationId xmlns:p14="http://schemas.microsoft.com/office/powerpoint/2010/main" val="1498871420"/>
       </p:ext>
     </p:extLst>
   </p:cSld>
@@ -5434,7 +5433,7 @@
     </p:spTree>
     <p:extLst>
       <p:ext uri="{BB962C8B-B14F-4D97-AF65-F5344CB8AC3E}">
-        <p14:creationId xmlns:p14="http://schemas.microsoft.com/office/powerpoint/2010/main" val="1498871420"/>
+        <p14:creationId xmlns:p14="http://schemas.microsoft.com/office/powerpoint/2010/main" val="1437644105"/>
       </p:ext>
     </p:extLst>
   </p:cSld>
@@ -5501,7 +5500,7 @@
     </p:spTree>
     <p:extLst>
       <p:ext uri="{BB962C8B-B14F-4D97-AF65-F5344CB8AC3E}">
-        <p14:creationId xmlns:p14="http://schemas.microsoft.com/office/powerpoint/2010/main" val="1437644105"/>
+        <p14:creationId xmlns:p14="http://schemas.microsoft.com/office/powerpoint/2010/main" val="1145960338"/>
       </p:ext>
     </p:extLst>
   </p:cSld>
@@ -5568,7 +5567,7 @@
     </p:spTree>
     <p:extLst>
       <p:ext uri="{BB962C8B-B14F-4D97-AF65-F5344CB8AC3E}">
-        <p14:creationId xmlns:p14="http://schemas.microsoft.com/office/powerpoint/2010/main" val="1145960338"/>
+        <p14:creationId xmlns:p14="http://schemas.microsoft.com/office/powerpoint/2010/main" val="1522054470"/>
       </p:ext>
     </p:extLst>
   </p:cSld>
@@ -5702,7 +5701,7 @@
     </p:spTree>
     <p:extLst>
       <p:ext uri="{BB962C8B-B14F-4D97-AF65-F5344CB8AC3E}">
-        <p14:creationId xmlns:p14="http://schemas.microsoft.com/office/powerpoint/2010/main" val="1522054470"/>
+        <p14:creationId xmlns:p14="http://schemas.microsoft.com/office/powerpoint/2010/main" val="344274226"/>
       </p:ext>
     </p:extLst>
   </p:cSld>
@@ -5769,7 +5768,7 @@
     </p:spTree>
     <p:extLst>
       <p:ext uri="{BB962C8B-B14F-4D97-AF65-F5344CB8AC3E}">
-        <p14:creationId xmlns:p14="http://schemas.microsoft.com/office/powerpoint/2010/main" val="344274226"/>
+        <p14:creationId xmlns:p14="http://schemas.microsoft.com/office/powerpoint/2010/main" val="640450064"/>
       </p:ext>
     </p:extLst>
   </p:cSld>
@@ -5836,7 +5835,7 @@
     </p:spTree>
     <p:extLst>
       <p:ext uri="{BB962C8B-B14F-4D97-AF65-F5344CB8AC3E}">
-        <p14:creationId xmlns:p14="http://schemas.microsoft.com/office/powerpoint/2010/main" val="640450064"/>
+        <p14:creationId xmlns:p14="http://schemas.microsoft.com/office/powerpoint/2010/main" val="856186884"/>
       </p:ext>
     </p:extLst>
   </p:cSld>
@@ -5903,7 +5902,7 @@
     </p:spTree>
     <p:extLst>
       <p:ext uri="{BB962C8B-B14F-4D97-AF65-F5344CB8AC3E}">
-        <p14:creationId xmlns:p14="http://schemas.microsoft.com/office/powerpoint/2010/main" val="856186884"/>
+        <p14:creationId xmlns:p14="http://schemas.microsoft.com/office/powerpoint/2010/main" val="1792524488"/>
       </p:ext>
     </p:extLst>
   </p:cSld>
@@ -5921,73 +5920,6 @@
 </file>
 
 <file path=ppt/slides/slide44.xml><?xml version="1.0" encoding="utf-8"?>
-<p:sld xmlns:a="http://schemas.openxmlformats.org/drawingml/2006/main" xmlns:r="http://schemas.openxmlformats.org/officeDocument/2006/relationships" xmlns:p="http://schemas.openxmlformats.org/presentationml/2006/main">
-  <p:cSld>
-    <p:spTree>
-      <p:nvGrpSpPr>
-        <p:cNvPr id="1" name=""/>
-        <p:cNvGrpSpPr/>
-        <p:nvPr/>
-      </p:nvGrpSpPr>
-      <p:grpSpPr>
-        <a:xfrm>
-          <a:off x="0" y="0"/>
-          <a:ext cx="0" cy="0"/>
-          <a:chOff x="0" y="0"/>
-          <a:chExt cx="0" cy="0"/>
-        </a:xfrm>
-      </p:grpSpPr>
-      <p:pic>
-        <p:nvPicPr>
-          <p:cNvPr id="2" name="Picture 1"/>
-          <p:cNvPicPr>
-            <a:picLocks noChangeAspect="1"/>
-          </p:cNvPicPr>
-          <p:nvPr/>
-        </p:nvPicPr>
-        <p:blipFill>
-          <a:blip r:embed="rId2">
-            <a:extLst>
-              <a:ext uri="{28A0092B-C50C-407E-A947-70E740481C1C}">
-                <a14:useLocalDpi xmlns:a14="http://schemas.microsoft.com/office/drawing/2010/main" val="0"/>
-              </a:ext>
-            </a:extLst>
-          </a:blip>
-          <a:stretch>
-            <a:fillRect/>
-          </a:stretch>
-        </p:blipFill>
-        <p:spPr>
-          <a:xfrm>
-            <a:off x="0" y="0"/>
-            <a:ext cx="12192000" cy="6847930"/>
-          </a:xfrm>
-          <a:prstGeom prst="rect">
-            <a:avLst/>
-          </a:prstGeom>
-        </p:spPr>
-      </p:pic>
-    </p:spTree>
-    <p:extLst>
-      <p:ext uri="{BB962C8B-B14F-4D97-AF65-F5344CB8AC3E}">
-        <p14:creationId xmlns:p14="http://schemas.microsoft.com/office/powerpoint/2010/main" val="1792524488"/>
-      </p:ext>
-    </p:extLst>
-  </p:cSld>
-  <p:clrMapOvr>
-    <a:masterClrMapping/>
-  </p:clrMapOvr>
-  <p:timing>
-    <p:tnLst>
-      <p:par>
-        <p:cTn id="1" dur="indefinite" restart="never" nodeType="tmRoot"/>
-      </p:par>
-    </p:tnLst>
-  </p:timing>
-</p:sld>
-</file>
-
-<file path=ppt/slides/slide45.xml><?xml version="1.0" encoding="utf-8"?>
 <p:sld xmlns:a="http://schemas.openxmlformats.org/drawingml/2006/main" xmlns:r="http://schemas.openxmlformats.org/officeDocument/2006/relationships" xmlns:p="http://schemas.openxmlformats.org/presentationml/2006/main">
   <p:cSld>
     <p:spTree>
